--- a/Presentation.pptx
+++ b/Presentation.pptx
@@ -1620,6 +1620,13 @@
         </dgm:presLayoutVars>
       </dgm:prSet>
       <dgm:spPr/>
+      <dgm:t>
+        <a:bodyPr/>
+        <a:lstStyle/>
+        <a:p>
+          <a:endParaRPr lang="it-IT"/>
+        </a:p>
+      </dgm:t>
     </dgm:pt>
     <dgm:pt modelId="{8A4DF3EC-23BD-4A88-9503-C56FB6335A9E}" type="pres">
       <dgm:prSet presAssocID="{22CEE4C1-410C-45B7-A345-579DA1138588}" presName="linNode" presStyleCnt="0"/>
@@ -1633,6 +1640,13 @@
         </dgm:presLayoutVars>
       </dgm:prSet>
       <dgm:spPr/>
+      <dgm:t>
+        <a:bodyPr/>
+        <a:lstStyle/>
+        <a:p>
+          <a:endParaRPr lang="it-IT"/>
+        </a:p>
+      </dgm:t>
     </dgm:pt>
     <dgm:pt modelId="{95FD92DC-5040-42C8-AB7A-00D8CBCE8A7A}" type="pres">
       <dgm:prSet presAssocID="{22CEE4C1-410C-45B7-A345-579DA1138588}" presName="descendantText" presStyleLbl="alignAccFollowNode1" presStyleIdx="0" presStyleCnt="5">
@@ -1641,6 +1655,13 @@
         </dgm:presLayoutVars>
       </dgm:prSet>
       <dgm:spPr/>
+      <dgm:t>
+        <a:bodyPr/>
+        <a:lstStyle/>
+        <a:p>
+          <a:endParaRPr lang="it-IT"/>
+        </a:p>
+      </dgm:t>
     </dgm:pt>
     <dgm:pt modelId="{04936528-4762-4181-8A65-8066AC993AA7}" type="pres">
       <dgm:prSet presAssocID="{C733ECD4-CFF3-4893-B557-001AE30DE20A}" presName="sp" presStyleCnt="0"/>
@@ -1673,6 +1694,13 @@
         </dgm:presLayoutVars>
       </dgm:prSet>
       <dgm:spPr/>
+      <dgm:t>
+        <a:bodyPr/>
+        <a:lstStyle/>
+        <a:p>
+          <a:endParaRPr lang="it-IT"/>
+        </a:p>
+      </dgm:t>
     </dgm:pt>
     <dgm:pt modelId="{A8503D48-2DB9-402F-8B62-ED0115636F72}" type="pres">
       <dgm:prSet presAssocID="{74F12F02-BB04-4891-9446-B9C1CD61C9E3}" presName="sp" presStyleCnt="0"/>
@@ -1705,6 +1733,13 @@
         </dgm:presLayoutVars>
       </dgm:prSet>
       <dgm:spPr/>
+      <dgm:t>
+        <a:bodyPr/>
+        <a:lstStyle/>
+        <a:p>
+          <a:endParaRPr lang="it-IT"/>
+        </a:p>
+      </dgm:t>
     </dgm:pt>
     <dgm:pt modelId="{892FFA73-9971-4CDD-AC64-282D591FE319}" type="pres">
       <dgm:prSet presAssocID="{5D7E5E60-8367-4038-B203-A2FABB425673}" presName="sp" presStyleCnt="0"/>
@@ -1722,6 +1757,13 @@
         </dgm:presLayoutVars>
       </dgm:prSet>
       <dgm:spPr/>
+      <dgm:t>
+        <a:bodyPr/>
+        <a:lstStyle/>
+        <a:p>
+          <a:endParaRPr lang="it-IT"/>
+        </a:p>
+      </dgm:t>
     </dgm:pt>
     <dgm:pt modelId="{2E3DDDE7-A97A-4B5E-B986-C9A288417E02}" type="pres">
       <dgm:prSet presAssocID="{AFCFC4C9-ADA8-4111-8F66-2B5DF672F398}" presName="descendantText" presStyleLbl="alignAccFollowNode1" presStyleIdx="3" presStyleCnt="5">
@@ -1730,6 +1772,13 @@
         </dgm:presLayoutVars>
       </dgm:prSet>
       <dgm:spPr/>
+      <dgm:t>
+        <a:bodyPr/>
+        <a:lstStyle/>
+        <a:p>
+          <a:endParaRPr lang="it-IT"/>
+        </a:p>
+      </dgm:t>
     </dgm:pt>
     <dgm:pt modelId="{CCD72B0A-AFA3-4F4B-9449-E5183AFCE645}" type="pres">
       <dgm:prSet presAssocID="{BE59FE74-D339-4FF2-8DAA-D771B6A3ED84}" presName="sp" presStyleCnt="0"/>
@@ -1747,6 +1796,13 @@
         </dgm:presLayoutVars>
       </dgm:prSet>
       <dgm:spPr/>
+      <dgm:t>
+        <a:bodyPr/>
+        <a:lstStyle/>
+        <a:p>
+          <a:endParaRPr lang="it-IT"/>
+        </a:p>
+      </dgm:t>
     </dgm:pt>
     <dgm:pt modelId="{7FCA4AC2-0D1F-447C-B2A3-324F6943E8D8}" type="pres">
       <dgm:prSet presAssocID="{85DDC955-37D8-4725-8D21-7EBF333F89CA}" presName="descendantText" presStyleLbl="alignAccFollowNode1" presStyleIdx="4" presStyleCnt="5">
@@ -4118,7 +4174,7 @@
             <a:fld id="{972F18BA-5EF7-4CEE-AD11-0A12629EAB63}" type="datetimeFigureOut">
               <a:rPr lang="it-IT" smtClean="0"/>
               <a:pPr/>
-              <a:t>15/04/2013</a:t>
+              <a:t>19/04/2013</a:t>
             </a:fld>
             <a:endParaRPr lang="it-IT"/>
           </a:p>
@@ -7996,7 +8052,6 @@
               <a:rPr lang="it-IT" dirty="0" smtClean="0"/>
               <a:t>La pericolosità dei tagli aumenta col tempo</a:t>
             </a:r>
-            <a:endParaRPr lang="it-IT" dirty="0" smtClean="0"/>
           </a:p>
           <a:p>
             <a:pPr lvl="1"/>
@@ -8015,21 +8070,8 @@
           <a:p>
             <a:r>
               <a:rPr lang="it-IT" dirty="0" smtClean="0"/>
-              <a:t>L’ avatar dell’utente è un frutto</a:t>
-            </a:r>
-            <a:r>
-              <a:rPr lang="it-IT" dirty="0" smtClean="0"/>
-              <a:t> </a:t>
-            </a:r>
-            <a:r>
-              <a:rPr lang="it-IT" dirty="0" smtClean="0"/>
-              <a:t>col contorno colorato </a:t>
-            </a:r>
-            <a:r>
-              <a:rPr lang="it-IT" dirty="0" smtClean="0"/>
-              <a:t>di azzurro chiaro</a:t>
-            </a:r>
-            <a:endParaRPr lang="it-IT" dirty="0" smtClean="0"/>
+              <a:t>L’ avatar dell’utente è un frutto col contorno colorato di azzurro chiaro</a:t>
+            </a:r>
           </a:p>
           <a:p>
             <a:pPr lvl="1"/>
@@ -8044,7 +8086,6 @@
               <a:rPr lang="it-IT" dirty="0" smtClean="0"/>
               <a:t>Distingue l’avatar dai frutti bonus, contornati di nero </a:t>
             </a:r>
-            <a:endParaRPr lang="it-IT" dirty="0" smtClean="0"/>
           </a:p>
         </p:txBody>
       </p:sp>
@@ -8406,21 +8447,12 @@
               <a:rPr lang="it-IT" dirty="0" smtClean="0"/>
               <a:t> </a:t>
             </a:r>
-            <a:endParaRPr lang="it-IT" dirty="0" smtClean="0"/>
           </a:p>
           <a:p>
             <a:pPr lvl="1"/>
             <a:r>
               <a:rPr lang="it-IT" dirty="0" smtClean="0"/>
-              <a:t>Il giocatore </a:t>
-            </a:r>
-            <a:r>
-              <a:rPr lang="it-IT" dirty="0" smtClean="0"/>
-              <a:t>pilota un frutto, cercando di sfuggire i tagli tracciati dal </a:t>
-            </a:r>
-            <a:r>
-              <a:rPr lang="it-IT" dirty="0" smtClean="0"/>
-              <a:t>ninja, pilotato dall’IA</a:t>
+              <a:t>Il giocatore pilota un frutto, cercando di sfuggire i tagli tracciati dal ninja, pilotato dall’IA</a:t>
             </a:r>
           </a:p>
           <a:p>
@@ -8429,7 +8461,6 @@
               <a:rPr lang="it-IT" dirty="0" smtClean="0"/>
               <a:t>Obiettivo è sopravvivere più lungo possibile</a:t>
             </a:r>
-            <a:endParaRPr lang="it-IT" dirty="0" smtClean="0"/>
           </a:p>
           <a:p>
             <a:pPr lvl="1"/>
@@ -8437,7 +8468,6 @@
               <a:rPr lang="it-IT" dirty="0" smtClean="0"/>
               <a:t>Il giocatore può raccogliere frutti bonus, passandoci sopra col suo avatar, per incrementare il suo punteggio finale</a:t>
             </a:r>
-            <a:endParaRPr lang="it-IT" dirty="0" smtClean="0"/>
           </a:p>
           <a:p>
             <a:endParaRPr lang="it-IT" dirty="0"/>
@@ -8638,11 +8668,7 @@
             </a:r>
             <a:r>
               <a:rPr lang="it-IT" dirty="0" smtClean="0"/>
-              <a:t> </a:t>
-            </a:r>
-            <a:r>
-              <a:rPr lang="it-IT" dirty="0" smtClean="0"/>
-              <a:t>possibili</a:t>
+              <a:t> possibili</a:t>
             </a:r>
           </a:p>
           <a:p>
@@ -8669,11 +8695,7 @@
             </a:r>
             <a:r>
               <a:rPr lang="it-IT" dirty="0" smtClean="0"/>
-              <a:t> delle coordinate:</a:t>
-            </a:r>
-            <a:r>
-              <a:rPr lang="it-IT" dirty="0" smtClean="0"/>
-              <a:t> funzione di </a:t>
+              <a:t> delle coordinate: funzione di </a:t>
             </a:r>
             <a:r>
               <a:rPr lang="it-IT" dirty="0" err="1" smtClean="0"/>
@@ -8954,7 +8976,6 @@
               <a:rPr lang="it-IT" dirty="0" smtClean="0"/>
               <a:t>Consente di spaziare su tutto il monitor anche da seduto</a:t>
             </a:r>
-            <a:endParaRPr lang="it-IT" dirty="0" smtClean="0"/>
           </a:p>
         </p:txBody>
       </p:sp>
@@ -8991,13 +9012,7 @@
               <a:rPr lang="it-IT" sz="8000" dirty="0" smtClean="0">
                 <a:latin typeface="Made in China" pitchFamily="2" charset="0"/>
               </a:rPr>
-              <a:t> (1</a:t>
-            </a:r>
-            <a:r>
-              <a:rPr lang="it-IT" sz="8000" dirty="0" smtClean="0">
-                <a:latin typeface="Made in China" pitchFamily="2" charset="0"/>
-              </a:rPr>
-              <a:t>)</a:t>
+              <a:t> (1)</a:t>
             </a:r>
             <a:endParaRPr lang="it-IT" sz="8000" dirty="0">
               <a:latin typeface="Made in China" pitchFamily="2" charset="0"/>
@@ -9154,7 +9169,6 @@
               <a:rPr lang="it-IT" sz="2600" dirty="0" smtClean="0"/>
               <a:t> completamente diverso </a:t>
             </a:r>
-            <a:endParaRPr lang="it-IT" sz="2600" dirty="0" smtClean="0"/>
           </a:p>
           <a:p>
             <a:pPr lvl="1"/>
@@ -9221,15 +9235,7 @@
             <a:pPr lvl="1"/>
             <a:r>
               <a:rPr lang="it-IT" dirty="0" smtClean="0"/>
-              <a:t>Il </a:t>
-            </a:r>
-            <a:r>
-              <a:rPr lang="it-IT" dirty="0" smtClean="0"/>
-              <a:t>giocatore riconosce i suoi movimenti nell’avatar, compresi scatti, salti e torsioni del </a:t>
-            </a:r>
-            <a:r>
-              <a:rPr lang="it-IT" dirty="0" smtClean="0"/>
-              <a:t>collo, a livello istintivo</a:t>
+              <a:t>Il giocatore riconosce i suoi movimenti nell’avatar, compresi scatti, salti e torsioni del collo, a livello istintivo</a:t>
             </a:r>
           </a:p>
           <a:p>
@@ -9280,13 +9286,7 @@
               <a:rPr lang="it-IT" sz="8000" dirty="0" smtClean="0">
                 <a:latin typeface="Made in China" pitchFamily="2" charset="0"/>
               </a:rPr>
-              <a:t> (2</a:t>
-            </a:r>
-            <a:r>
-              <a:rPr lang="it-IT" sz="8000" dirty="0" smtClean="0">
-                <a:latin typeface="Made in China" pitchFamily="2" charset="0"/>
-              </a:rPr>
-              <a:t>)</a:t>
+              <a:t> (2)</a:t>
             </a:r>
             <a:endParaRPr lang="it-IT" sz="8000" dirty="0">
               <a:latin typeface="Made in China" pitchFamily="2" charset="0"/>
@@ -9448,7 +9448,7 @@
         <p:spPr>
           <a:xfrm>
             <a:off x="457200" y="1524000"/>
-            <a:ext cx="4906888" cy="4572000"/>
+            <a:ext cx="8291264" cy="4572000"/>
           </a:xfrm>
         </p:spPr>
         <p:txBody>
@@ -9488,7 +9488,6 @@
               <a:rPr lang="it-IT" dirty="0" smtClean="0"/>
               <a:t>Indica all’utente quale mano usare per pilotarlo</a:t>
             </a:r>
-            <a:endParaRPr lang="it-IT" dirty="0" smtClean="0"/>
           </a:p>
           <a:p>
             <a:r>
@@ -9502,32 +9501,6 @@
               <a:rPr lang="it-IT" dirty="0" smtClean="0"/>
               <a:t>Indica il tempo mancante per l’attivazione della funzione</a:t>
             </a:r>
-            <a:endParaRPr lang="it-IT" dirty="0"/>
-          </a:p>
-        </p:txBody>
-      </p:sp>
-      <p:sp>
-        <p:nvSpPr>
-          <p:cNvPr id="5" name="Segnaposto contenuto 4"/>
-          <p:cNvSpPr>
-            <a:spLocks noGrp="1"/>
-          </p:cNvSpPr>
-          <p:nvPr>
-            <p:ph sz="half" idx="2"/>
-          </p:nvPr>
-        </p:nvSpPr>
-        <p:spPr>
-          <a:xfrm>
-            <a:off x="5436096" y="1524000"/>
-            <a:ext cx="3272040" cy="4572000"/>
-          </a:xfrm>
-        </p:spPr>
-        <p:txBody>
-          <a:bodyPr>
-            <a:normAutofit/>
-          </a:bodyPr>
-          <a:lstStyle/>
-          <a:p>
             <a:endParaRPr lang="it-IT" dirty="0"/>
           </a:p>
         </p:txBody>
@@ -9688,17 +9661,8 @@
             </a:pPr>
             <a:r>
               <a:rPr lang="it-IT" dirty="0" smtClean="0"/>
-              <a:t>Un’ icona di notifica </a:t>
-            </a:r>
-            <a:r>
-              <a:rPr lang="it-IT" dirty="0" smtClean="0"/>
-              <a:t>appare nell’angolo in alto a sinistra del </a:t>
-            </a:r>
-            <a:r>
-              <a:rPr lang="it-IT" dirty="0" smtClean="0"/>
-              <a:t>monitor</a:t>
-            </a:r>
-            <a:endParaRPr lang="it-IT" dirty="0" smtClean="0"/>
+              <a:t>Un’ icona di notifica appare nell’angolo in alto a sinistra del monitor</a:t>
+            </a:r>
           </a:p>
           <a:p>
             <a:r>
@@ -9729,7 +9693,6 @@
               <a:rPr lang="it-IT" dirty="0" smtClean="0"/>
               <a:t>Segnala che è impossibile rilevare la posizione della mano</a:t>
             </a:r>
-            <a:endParaRPr lang="it-IT" dirty="0" smtClean="0"/>
           </a:p>
           <a:p>
             <a:r>
@@ -9756,7 +9719,6 @@
               <a:rPr lang="it-IT" i="1" dirty="0" smtClean="0"/>
               <a:t> </a:t>
             </a:r>
-            <a:endParaRPr lang="it-IT" i="1" dirty="0" smtClean="0"/>
           </a:p>
           <a:p>
             <a:pPr lvl="1"/>
@@ -10045,11 +10007,7 @@
           <a:p>
             <a:r>
               <a:rPr lang="it-IT" dirty="0" smtClean="0"/>
-              <a:t>Generazione </a:t>
-            </a:r>
-            <a:r>
-              <a:rPr lang="it-IT" dirty="0" smtClean="0"/>
-              <a:t>casuale di frutti bonus</a:t>
+              <a:t>Generazione casuale di frutti bonus</a:t>
             </a:r>
           </a:p>
           <a:p>
@@ -10065,7 +10023,6 @@
               <a:rPr lang="it-IT" dirty="0" smtClean="0"/>
               <a:t>Il giocatore può raccoglierli passandoci sopra con l’avatar</a:t>
             </a:r>
-            <a:endParaRPr lang="it-IT" dirty="0" smtClean="0"/>
           </a:p>
           <a:p>
             <a:pPr lvl="2"/>
@@ -10078,23 +10035,7 @@
             <a:pPr lvl="1"/>
             <a:r>
               <a:rPr lang="it-IT" dirty="0" smtClean="0"/>
-              <a:t>I </a:t>
-            </a:r>
-            <a:r>
-              <a:rPr lang="it-IT" dirty="0" smtClean="0"/>
-              <a:t>tagli </a:t>
-            </a:r>
-            <a:r>
-              <a:rPr lang="it-IT" dirty="0" smtClean="0"/>
-              <a:t>possono uccidere anche i </a:t>
-            </a:r>
-            <a:r>
-              <a:rPr lang="it-IT" dirty="0" smtClean="0"/>
-              <a:t>frutti bonus </a:t>
-            </a:r>
-            <a:r>
-              <a:rPr lang="it-IT" dirty="0" smtClean="0"/>
-              <a:t>oltre che l’utente</a:t>
+              <a:t>I tagli possono uccidere anche i frutti bonus oltre che l’utente</a:t>
             </a:r>
           </a:p>
           <a:p>
